--- a/Presentation/Prezentace.pptx
+++ b/Presentation/Prezentace.pptx
@@ -6,6 +6,9 @@
   </p:sldMasterIdLst>
   <p:sldIdLst>
     <p:sldId id="256" r:id="rId2"/>
+    <p:sldId id="257" r:id="rId3"/>
+    <p:sldId id="258" r:id="rId4"/>
+    <p:sldId id="259" r:id="rId5"/>
   </p:sldIdLst>
   <p:sldSz cx="12192000" cy="6858000"/>
   <p:notesSz cx="6858000" cy="9144000"/>
@@ -3342,7 +3345,7 @@
           <a:bodyPr/>
           <a:lstStyle/>
           <a:p>
-            <a:endParaRPr lang="cs-CZ"/>
+            <a:endParaRPr lang="cs-CZ" dirty="0"/>
           </a:p>
         </p:txBody>
       </p:sp>
@@ -3371,10 +3374,407 @@
           </a:p>
         </p:txBody>
       </p:sp>
+      <p:pic>
+        <p:nvPicPr>
+          <p:cNvPr id="5" name="Obrázek 4" descr="Obsah obrázku logo, Písmo, symbol, Grafika&#10;&#10;Popis byl vytvořen automaticky">
+            <a:extLst>
+              <a:ext uri="{FF2B5EF4-FFF2-40B4-BE49-F238E27FC236}">
+                <a16:creationId xmlns:a16="http://schemas.microsoft.com/office/drawing/2014/main" id="{950252FB-F6AA-C50F-E1CF-CDC1DA99038A}"/>
+              </a:ext>
+            </a:extLst>
+          </p:cNvPr>
+          <p:cNvPicPr>
+            <a:picLocks noChangeAspect="1"/>
+          </p:cNvPicPr>
+          <p:nvPr/>
+        </p:nvPicPr>
+        <p:blipFill>
+          <a:blip r:embed="rId2"/>
+          <a:stretch>
+            <a:fillRect/>
+          </a:stretch>
+        </p:blipFill>
+        <p:spPr>
+          <a:xfrm>
+            <a:off x="5471841" y="4224763"/>
+            <a:ext cx="1397000" cy="1397000"/>
+          </a:xfrm>
+          <a:prstGeom prst="rect">
+            <a:avLst/>
+          </a:prstGeom>
+        </p:spPr>
+      </p:pic>
     </p:spTree>
     <p:extLst>
       <p:ext uri="{BB962C8B-B14F-4D97-AF65-F5344CB8AC3E}">
         <p14:creationId xmlns:p14="http://schemas.microsoft.com/office/powerpoint/2010/main" val="2498391982"/>
+      </p:ext>
+    </p:extLst>
+  </p:cSld>
+  <p:clrMapOvr>
+    <a:masterClrMapping/>
+  </p:clrMapOvr>
+</p:sld>
+</file>
+
+<file path=ppt/slides/slide2.xml><?xml version="1.0" encoding="utf-8"?>
+<p:sld xmlns:a="http://schemas.openxmlformats.org/drawingml/2006/main" xmlns:r="http://schemas.openxmlformats.org/officeDocument/2006/relationships" xmlns:p="http://schemas.openxmlformats.org/presentationml/2006/main">
+  <p:cSld>
+    <p:spTree>
+      <p:nvGrpSpPr>
+        <p:cNvPr id="1" name=""/>
+        <p:cNvGrpSpPr/>
+        <p:nvPr/>
+      </p:nvGrpSpPr>
+      <p:grpSpPr>
+        <a:xfrm>
+          <a:off x="0" y="0"/>
+          <a:ext cx="0" cy="0"/>
+          <a:chOff x="0" y="0"/>
+          <a:chExt cx="0" cy="0"/>
+        </a:xfrm>
+      </p:grpSpPr>
+      <p:sp>
+        <p:nvSpPr>
+          <p:cNvPr id="2" name="Nadpis 1">
+            <a:extLst>
+              <a:ext uri="{FF2B5EF4-FFF2-40B4-BE49-F238E27FC236}">
+                <a16:creationId xmlns:a16="http://schemas.microsoft.com/office/drawing/2014/main" id="{2A85CE91-AFA3-5F21-B763-AF2C0A7F5F7C}"/>
+              </a:ext>
+            </a:extLst>
+          </p:cNvPr>
+          <p:cNvSpPr>
+            <a:spLocks noGrp="1"/>
+          </p:cNvSpPr>
+          <p:nvPr>
+            <p:ph type="title"/>
+          </p:nvPr>
+        </p:nvSpPr>
+        <p:spPr/>
+        <p:txBody>
+          <a:bodyPr/>
+          <a:lstStyle/>
+          <a:p>
+            <a:r>
+              <a:rPr lang="cs-CZ" dirty="0"/>
+              <a:t>Použité technologie</a:t>
+            </a:r>
+          </a:p>
+        </p:txBody>
+      </p:sp>
+      <p:pic>
+        <p:nvPicPr>
+          <p:cNvPr id="5" name="Zástupný obsah 4" descr="Obsah obrázku Grafika, symbol, Obdélník, design&#10;&#10;Popis byl vytvořen automaticky">
+            <a:extLst>
+              <a:ext uri="{FF2B5EF4-FFF2-40B4-BE49-F238E27FC236}">
+                <a16:creationId xmlns:a16="http://schemas.microsoft.com/office/drawing/2014/main" id="{9DD3BA4D-50CD-EAAF-DEDD-6141082E560D}"/>
+              </a:ext>
+            </a:extLst>
+          </p:cNvPr>
+          <p:cNvPicPr>
+            <a:picLocks noGrp="1" noChangeAspect="1"/>
+          </p:cNvPicPr>
+          <p:nvPr>
+            <p:ph idx="1"/>
+          </p:nvPr>
+        </p:nvPicPr>
+        <p:blipFill>
+          <a:blip r:embed="rId2"/>
+          <a:stretch>
+            <a:fillRect/>
+          </a:stretch>
+        </p:blipFill>
+        <p:spPr>
+          <a:xfrm>
+            <a:off x="4191000" y="3569922"/>
+            <a:ext cx="1905000" cy="1905000"/>
+          </a:xfrm>
+        </p:spPr>
+      </p:pic>
+      <p:pic>
+        <p:nvPicPr>
+          <p:cNvPr id="7" name="Obrázek 6" descr="Obsah obrázku Grafika, design&#10;&#10;Popis byl vytvořen automaticky">
+            <a:extLst>
+              <a:ext uri="{FF2B5EF4-FFF2-40B4-BE49-F238E27FC236}">
+                <a16:creationId xmlns:a16="http://schemas.microsoft.com/office/drawing/2014/main" id="{D5D24605-E1B4-1796-5B24-64F23D25860A}"/>
+              </a:ext>
+            </a:extLst>
+          </p:cNvPr>
+          <p:cNvPicPr>
+            <a:picLocks noChangeAspect="1"/>
+          </p:cNvPicPr>
+          <p:nvPr/>
+        </p:nvPicPr>
+        <p:blipFill>
+          <a:blip r:embed="rId3"/>
+          <a:stretch>
+            <a:fillRect/>
+          </a:stretch>
+        </p:blipFill>
+        <p:spPr>
+          <a:xfrm>
+            <a:off x="5968573" y="1464917"/>
+            <a:ext cx="1905000" cy="1905000"/>
+          </a:xfrm>
+          <a:prstGeom prst="rect">
+            <a:avLst/>
+          </a:prstGeom>
+        </p:spPr>
+      </p:pic>
+      <p:pic>
+        <p:nvPicPr>
+          <p:cNvPr id="9" name="Obrázek 8" descr="Obsah obrázku Písmo, žlutá, Grafika, logo&#10;&#10;Popis byl vytvořen automaticky">
+            <a:extLst>
+              <a:ext uri="{FF2B5EF4-FFF2-40B4-BE49-F238E27FC236}">
+                <a16:creationId xmlns:a16="http://schemas.microsoft.com/office/drawing/2014/main" id="{9090AD1A-1B12-2BBA-4C30-40647164092E}"/>
+              </a:ext>
+            </a:extLst>
+          </p:cNvPr>
+          <p:cNvPicPr>
+            <a:picLocks noChangeAspect="1"/>
+          </p:cNvPicPr>
+          <p:nvPr/>
+        </p:nvPicPr>
+        <p:blipFill>
+          <a:blip r:embed="rId4"/>
+          <a:stretch>
+            <a:fillRect/>
+          </a:stretch>
+        </p:blipFill>
+        <p:spPr>
+          <a:xfrm>
+            <a:off x="2165927" y="1578094"/>
+            <a:ext cx="1905000" cy="1905000"/>
+          </a:xfrm>
+          <a:prstGeom prst="rect">
+            <a:avLst/>
+          </a:prstGeom>
+        </p:spPr>
+      </p:pic>
+      <p:pic>
+        <p:nvPicPr>
+          <p:cNvPr id="11" name="Obrázek 10" descr="Obsah obrázku symbol, Grafika, Písmo, logo&#10;&#10;Popis byl vytvořen automaticky">
+            <a:extLst>
+              <a:ext uri="{FF2B5EF4-FFF2-40B4-BE49-F238E27FC236}">
+                <a16:creationId xmlns:a16="http://schemas.microsoft.com/office/drawing/2014/main" id="{13C4B75A-9BCD-A06A-438B-11939C1AE733}"/>
+              </a:ext>
+            </a:extLst>
+          </p:cNvPr>
+          <p:cNvPicPr>
+            <a:picLocks noChangeAspect="1"/>
+          </p:cNvPicPr>
+          <p:nvPr/>
+        </p:nvPicPr>
+        <p:blipFill>
+          <a:blip r:embed="rId5"/>
+          <a:stretch>
+            <a:fillRect/>
+          </a:stretch>
+        </p:blipFill>
+        <p:spPr>
+          <a:xfrm>
+            <a:off x="1611000" y="3676812"/>
+            <a:ext cx="1905000" cy="1905000"/>
+          </a:xfrm>
+          <a:prstGeom prst="rect">
+            <a:avLst/>
+          </a:prstGeom>
+        </p:spPr>
+      </p:pic>
+      <p:pic>
+        <p:nvPicPr>
+          <p:cNvPr id="13" name="Obrázek 12" descr="Obsah obrázku Grafika, Barevnost, grafický design, kreativita&#10;&#10;Popis byl vytvořen automaticky">
+            <a:extLst>
+              <a:ext uri="{FF2B5EF4-FFF2-40B4-BE49-F238E27FC236}">
+                <a16:creationId xmlns:a16="http://schemas.microsoft.com/office/drawing/2014/main" id="{F24534F3-749A-0672-1B2B-F024530CFD36}"/>
+              </a:ext>
+            </a:extLst>
+          </p:cNvPr>
+          <p:cNvPicPr>
+            <a:picLocks noChangeAspect="1"/>
+          </p:cNvPicPr>
+          <p:nvPr/>
+        </p:nvPicPr>
+        <p:blipFill>
+          <a:blip r:embed="rId6"/>
+          <a:stretch>
+            <a:fillRect/>
+          </a:stretch>
+        </p:blipFill>
+        <p:spPr>
+          <a:xfrm>
+            <a:off x="7647878" y="3429000"/>
+            <a:ext cx="1905000" cy="1905000"/>
+          </a:xfrm>
+          <a:prstGeom prst="rect">
+            <a:avLst/>
+          </a:prstGeom>
+        </p:spPr>
+      </p:pic>
+    </p:spTree>
+    <p:extLst>
+      <p:ext uri="{BB962C8B-B14F-4D97-AF65-F5344CB8AC3E}">
+        <p14:creationId xmlns:p14="http://schemas.microsoft.com/office/powerpoint/2010/main" val="1136508375"/>
+      </p:ext>
+    </p:extLst>
+  </p:cSld>
+  <p:clrMapOvr>
+    <a:masterClrMapping/>
+  </p:clrMapOvr>
+</p:sld>
+</file>
+
+<file path=ppt/slides/slide3.xml><?xml version="1.0" encoding="utf-8"?>
+<p:sld xmlns:a="http://schemas.openxmlformats.org/drawingml/2006/main" xmlns:r="http://schemas.openxmlformats.org/officeDocument/2006/relationships" xmlns:p="http://schemas.openxmlformats.org/presentationml/2006/main">
+  <p:cSld>
+    <p:spTree>
+      <p:nvGrpSpPr>
+        <p:cNvPr id="1" name=""/>
+        <p:cNvGrpSpPr/>
+        <p:nvPr/>
+      </p:nvGrpSpPr>
+      <p:grpSpPr>
+        <a:xfrm>
+          <a:off x="0" y="0"/>
+          <a:ext cx="0" cy="0"/>
+          <a:chOff x="0" y="0"/>
+          <a:chExt cx="0" cy="0"/>
+        </a:xfrm>
+      </p:grpSpPr>
+      <p:sp>
+        <p:nvSpPr>
+          <p:cNvPr id="2" name="Nadpis 1">
+            <a:extLst>
+              <a:ext uri="{FF2B5EF4-FFF2-40B4-BE49-F238E27FC236}">
+                <a16:creationId xmlns:a16="http://schemas.microsoft.com/office/drawing/2014/main" id="{877AA8DA-E7AC-6670-65B1-D8810DEA678B}"/>
+              </a:ext>
+            </a:extLst>
+          </p:cNvPr>
+          <p:cNvSpPr>
+            <a:spLocks noGrp="1"/>
+          </p:cNvSpPr>
+          <p:nvPr>
+            <p:ph type="title"/>
+          </p:nvPr>
+        </p:nvSpPr>
+        <p:spPr/>
+        <p:txBody>
+          <a:bodyPr/>
+          <a:lstStyle/>
+          <a:p>
+            <a:endParaRPr lang="cs-CZ"/>
+          </a:p>
+        </p:txBody>
+      </p:sp>
+      <p:sp>
+        <p:nvSpPr>
+          <p:cNvPr id="3" name="Zástupný obsah 2">
+            <a:extLst>
+              <a:ext uri="{FF2B5EF4-FFF2-40B4-BE49-F238E27FC236}">
+                <a16:creationId xmlns:a16="http://schemas.microsoft.com/office/drawing/2014/main" id="{88030BFE-D4E9-58E9-B4D3-F8E770421DD4}"/>
+              </a:ext>
+            </a:extLst>
+          </p:cNvPr>
+          <p:cNvSpPr>
+            <a:spLocks noGrp="1"/>
+          </p:cNvSpPr>
+          <p:nvPr>
+            <p:ph idx="1"/>
+          </p:nvPr>
+        </p:nvSpPr>
+        <p:spPr/>
+        <p:txBody>
+          <a:bodyPr/>
+          <a:lstStyle/>
+          <a:p>
+            <a:endParaRPr lang="cs-CZ"/>
+          </a:p>
+        </p:txBody>
+      </p:sp>
+    </p:spTree>
+    <p:extLst>
+      <p:ext uri="{BB962C8B-B14F-4D97-AF65-F5344CB8AC3E}">
+        <p14:creationId xmlns:p14="http://schemas.microsoft.com/office/powerpoint/2010/main" val="815575224"/>
+      </p:ext>
+    </p:extLst>
+  </p:cSld>
+  <p:clrMapOvr>
+    <a:masterClrMapping/>
+  </p:clrMapOvr>
+</p:sld>
+</file>
+
+<file path=ppt/slides/slide4.xml><?xml version="1.0" encoding="utf-8"?>
+<p:sld xmlns:a="http://schemas.openxmlformats.org/drawingml/2006/main" xmlns:r="http://schemas.openxmlformats.org/officeDocument/2006/relationships" xmlns:p="http://schemas.openxmlformats.org/presentationml/2006/main">
+  <p:cSld>
+    <p:spTree>
+      <p:nvGrpSpPr>
+        <p:cNvPr id="1" name=""/>
+        <p:cNvGrpSpPr/>
+        <p:nvPr/>
+      </p:nvGrpSpPr>
+      <p:grpSpPr>
+        <a:xfrm>
+          <a:off x="0" y="0"/>
+          <a:ext cx="0" cy="0"/>
+          <a:chOff x="0" y="0"/>
+          <a:chExt cx="0" cy="0"/>
+        </a:xfrm>
+      </p:grpSpPr>
+      <p:sp>
+        <p:nvSpPr>
+          <p:cNvPr id="2" name="Nadpis 1">
+            <a:extLst>
+              <a:ext uri="{FF2B5EF4-FFF2-40B4-BE49-F238E27FC236}">
+                <a16:creationId xmlns:a16="http://schemas.microsoft.com/office/drawing/2014/main" id="{626333A4-C60E-58CD-7079-F6A5D7069B88}"/>
+              </a:ext>
+            </a:extLst>
+          </p:cNvPr>
+          <p:cNvSpPr>
+            <a:spLocks noGrp="1"/>
+          </p:cNvSpPr>
+          <p:nvPr>
+            <p:ph type="title"/>
+          </p:nvPr>
+        </p:nvSpPr>
+        <p:spPr/>
+        <p:txBody>
+          <a:bodyPr/>
+          <a:lstStyle/>
+          <a:p>
+            <a:endParaRPr lang="cs-CZ"/>
+          </a:p>
+        </p:txBody>
+      </p:sp>
+      <p:sp>
+        <p:nvSpPr>
+          <p:cNvPr id="3" name="Zástupný obsah 2">
+            <a:extLst>
+              <a:ext uri="{FF2B5EF4-FFF2-40B4-BE49-F238E27FC236}">
+                <a16:creationId xmlns:a16="http://schemas.microsoft.com/office/drawing/2014/main" id="{3C10B604-A1DE-A52F-BFA2-05B8FB4AD33F}"/>
+              </a:ext>
+            </a:extLst>
+          </p:cNvPr>
+          <p:cNvSpPr>
+            <a:spLocks noGrp="1"/>
+          </p:cNvSpPr>
+          <p:nvPr>
+            <p:ph idx="1"/>
+          </p:nvPr>
+        </p:nvSpPr>
+        <p:spPr/>
+        <p:txBody>
+          <a:bodyPr/>
+          <a:lstStyle/>
+          <a:p>
+            <a:endParaRPr lang="cs-CZ"/>
+          </a:p>
+        </p:txBody>
+      </p:sp>
+    </p:spTree>
+    <p:extLst>
+      <p:ext uri="{BB962C8B-B14F-4D97-AF65-F5344CB8AC3E}">
+        <p14:creationId xmlns:p14="http://schemas.microsoft.com/office/powerpoint/2010/main" val="1427061345"/>
       </p:ext>
     </p:extLst>
   </p:cSld>

--- a/Presentation/Prezentace.pptx
+++ b/Presentation/Prezentace.pptx
@@ -8,7 +8,6 @@
     <p:sldId id="256" r:id="rId2"/>
     <p:sldId id="257" r:id="rId3"/>
     <p:sldId id="258" r:id="rId4"/>
-    <p:sldId id="259" r:id="rId5"/>
   </p:sldIdLst>
   <p:sldSz cx="12192000" cy="6858000"/>
   <p:notesSz cx="6858000" cy="9144000"/>
@@ -107,6 +106,11 @@
       </a:defRPr>
     </a:lvl9pPr>
   </p:defaultTextStyle>
+  <p:extLst>
+    <p:ext uri="{EFAFB233-063F-42B5-8137-9DF3F51BA10A}">
+      <p15:sldGuideLst xmlns:p15="http://schemas.microsoft.com/office/powerpoint/2012/main"/>
+    </p:ext>
+  </p:extLst>
 </p:presentation>
 </file>
 
@@ -3340,11 +3344,20 @@
             <p:ph type="ctrTitle"/>
           </p:nvPr>
         </p:nvSpPr>
-        <p:spPr/>
-        <p:txBody>
-          <a:bodyPr/>
-          <a:lstStyle/>
-          <a:p>
+        <p:spPr>
+          <a:xfrm>
+            <a:off x="1524000" y="1915460"/>
+            <a:ext cx="9144000" cy="2387600"/>
+          </a:xfrm>
+        </p:spPr>
+        <p:txBody>
+          <a:bodyPr/>
+          <a:lstStyle/>
+          <a:p>
+            <a:r>
+              <a:rPr lang="cs-CZ"/>
+              <a:t>Klauzurní práce</a:t>
+            </a:r>
             <a:endParaRPr lang="cs-CZ" dirty="0"/>
           </a:p>
         </p:txBody>
@@ -3365,21 +3378,30 @@
             <p:ph type="subTitle" idx="1"/>
           </p:nvPr>
         </p:nvSpPr>
-        <p:spPr/>
-        <p:txBody>
-          <a:bodyPr/>
-          <a:lstStyle/>
-          <a:p>
-            <a:endParaRPr lang="cs-CZ"/>
+        <p:spPr>
+          <a:xfrm>
+            <a:off x="1524000" y="4341627"/>
+            <a:ext cx="9144000" cy="1655762"/>
+          </a:xfrm>
+        </p:spPr>
+        <p:txBody>
+          <a:bodyPr/>
+          <a:lstStyle/>
+          <a:p>
+            <a:r>
+              <a:rPr lang="cs-CZ"/>
+              <a:t>Hanuš Valenta</a:t>
+            </a:r>
+            <a:endParaRPr lang="cs-CZ" dirty="0"/>
           </a:p>
         </p:txBody>
       </p:sp>
       <p:pic>
         <p:nvPicPr>
-          <p:cNvPr id="5" name="Obrázek 4" descr="Obsah obrázku logo, Písmo, symbol, Grafika&#10;&#10;Popis byl vytvořen automaticky">
-            <a:extLst>
-              <a:ext uri="{FF2B5EF4-FFF2-40B4-BE49-F238E27FC236}">
-                <a16:creationId xmlns:a16="http://schemas.microsoft.com/office/drawing/2014/main" id="{950252FB-F6AA-C50F-E1CF-CDC1DA99038A}"/>
+          <p:cNvPr id="6" name="Obrázek 5" descr="Obsah obrázku symbol, logo, Písmo, Grafika&#10;&#10;Popis byl vytvořen automaticky">
+            <a:extLst>
+              <a:ext uri="{FF2B5EF4-FFF2-40B4-BE49-F238E27FC236}">
+                <a16:creationId xmlns:a16="http://schemas.microsoft.com/office/drawing/2014/main" id="{8ECED97B-65C1-2F0E-A6E1-C20ACD4B9EA0}"/>
               </a:ext>
             </a:extLst>
           </p:cNvPr>
@@ -3396,8 +3418,8 @@
         </p:blipFill>
         <p:spPr>
           <a:xfrm>
-            <a:off x="5471841" y="4224763"/>
-            <a:ext cx="1397000" cy="1397000"/>
+            <a:off x="4692650" y="622300"/>
+            <a:ext cx="2806700" cy="2806700"/>
           </a:xfrm>
           <a:prstGeom prst="rect">
             <a:avLst/>
@@ -3486,7 +3508,7 @@
         </p:blipFill>
         <p:spPr>
           <a:xfrm>
-            <a:off x="4191000" y="3569922"/>
+            <a:off x="4968962" y="4213070"/>
             <a:ext cx="1905000" cy="1905000"/>
           </a:xfrm>
         </p:spPr>
@@ -3513,7 +3535,7 @@
         </p:blipFill>
         <p:spPr>
           <a:xfrm>
-            <a:off x="5968573" y="1464917"/>
+            <a:off x="6580094" y="2026273"/>
             <a:ext cx="1905000" cy="1905000"/>
           </a:xfrm>
           <a:prstGeom prst="rect">
@@ -3543,7 +3565,7 @@
         </p:blipFill>
         <p:spPr>
           <a:xfrm>
-            <a:off x="2165927" y="1578094"/>
+            <a:off x="3063962" y="2026273"/>
             <a:ext cx="1905000" cy="1905000"/>
           </a:xfrm>
           <a:prstGeom prst="rect">
@@ -3573,7 +3595,7 @@
         </p:blipFill>
         <p:spPr>
           <a:xfrm>
-            <a:off x="1611000" y="3676812"/>
+            <a:off x="1158962" y="4214694"/>
             <a:ext cx="1905000" cy="1905000"/>
           </a:xfrm>
           <a:prstGeom prst="rect">
@@ -3603,7 +3625,7 @@
         </p:blipFill>
         <p:spPr>
           <a:xfrm>
-            <a:off x="7647878" y="3429000"/>
+            <a:off x="8191228" y="3931273"/>
             <a:ext cx="1905000" cy="1905000"/>
           </a:xfrm>
           <a:prstGeom prst="rect">
@@ -3662,7 +3684,10 @@
           <a:bodyPr/>
           <a:lstStyle/>
           <a:p>
-            <a:endParaRPr lang="cs-CZ"/>
+            <a:r>
+              <a:rPr lang="cs-CZ" dirty="0"/>
+              <a:t>Web</a:t>
+            </a:r>
           </a:p>
         </p:txBody>
       </p:sp>
@@ -3687,7 +3712,13 @@
           <a:bodyPr/>
           <a:lstStyle/>
           <a:p>
-            <a:endParaRPr lang="cs-CZ"/>
+            <a:r>
+              <a:rPr lang="cs-CZ" dirty="0">
+                <a:hlinkClick r:id="rId2"/>
+              </a:rPr>
+              <a:t>Živý odkaz</a:t>
+            </a:r>
+            <a:endParaRPr lang="cs-CZ" dirty="0"/>
           </a:p>
         </p:txBody>
       </p:sp>
@@ -3695,86 +3726,6 @@
     <p:extLst>
       <p:ext uri="{BB962C8B-B14F-4D97-AF65-F5344CB8AC3E}">
         <p14:creationId xmlns:p14="http://schemas.microsoft.com/office/powerpoint/2010/main" val="815575224"/>
-      </p:ext>
-    </p:extLst>
-  </p:cSld>
-  <p:clrMapOvr>
-    <a:masterClrMapping/>
-  </p:clrMapOvr>
-</p:sld>
-</file>
-
-<file path=ppt/slides/slide4.xml><?xml version="1.0" encoding="utf-8"?>
-<p:sld xmlns:a="http://schemas.openxmlformats.org/drawingml/2006/main" xmlns:r="http://schemas.openxmlformats.org/officeDocument/2006/relationships" xmlns:p="http://schemas.openxmlformats.org/presentationml/2006/main">
-  <p:cSld>
-    <p:spTree>
-      <p:nvGrpSpPr>
-        <p:cNvPr id="1" name=""/>
-        <p:cNvGrpSpPr/>
-        <p:nvPr/>
-      </p:nvGrpSpPr>
-      <p:grpSpPr>
-        <a:xfrm>
-          <a:off x="0" y="0"/>
-          <a:ext cx="0" cy="0"/>
-          <a:chOff x="0" y="0"/>
-          <a:chExt cx="0" cy="0"/>
-        </a:xfrm>
-      </p:grpSpPr>
-      <p:sp>
-        <p:nvSpPr>
-          <p:cNvPr id="2" name="Nadpis 1">
-            <a:extLst>
-              <a:ext uri="{FF2B5EF4-FFF2-40B4-BE49-F238E27FC236}">
-                <a16:creationId xmlns:a16="http://schemas.microsoft.com/office/drawing/2014/main" id="{626333A4-C60E-58CD-7079-F6A5D7069B88}"/>
-              </a:ext>
-            </a:extLst>
-          </p:cNvPr>
-          <p:cNvSpPr>
-            <a:spLocks noGrp="1"/>
-          </p:cNvSpPr>
-          <p:nvPr>
-            <p:ph type="title"/>
-          </p:nvPr>
-        </p:nvSpPr>
-        <p:spPr/>
-        <p:txBody>
-          <a:bodyPr/>
-          <a:lstStyle/>
-          <a:p>
-            <a:endParaRPr lang="cs-CZ"/>
-          </a:p>
-        </p:txBody>
-      </p:sp>
-      <p:sp>
-        <p:nvSpPr>
-          <p:cNvPr id="3" name="Zástupný obsah 2">
-            <a:extLst>
-              <a:ext uri="{FF2B5EF4-FFF2-40B4-BE49-F238E27FC236}">
-                <a16:creationId xmlns:a16="http://schemas.microsoft.com/office/drawing/2014/main" id="{3C10B604-A1DE-A52F-BFA2-05B8FB4AD33F}"/>
-              </a:ext>
-            </a:extLst>
-          </p:cNvPr>
-          <p:cNvSpPr>
-            <a:spLocks noGrp="1"/>
-          </p:cNvSpPr>
-          <p:nvPr>
-            <p:ph idx="1"/>
-          </p:nvPr>
-        </p:nvSpPr>
-        <p:spPr/>
-        <p:txBody>
-          <a:bodyPr/>
-          <a:lstStyle/>
-          <a:p>
-            <a:endParaRPr lang="cs-CZ"/>
-          </a:p>
-        </p:txBody>
-      </p:sp>
-    </p:spTree>
-    <p:extLst>
-      <p:ext uri="{BB962C8B-B14F-4D97-AF65-F5344CB8AC3E}">
-        <p14:creationId xmlns:p14="http://schemas.microsoft.com/office/powerpoint/2010/main" val="1427061345"/>
       </p:ext>
     </p:extLst>
   </p:cSld>
